--- a/final_presentation.pptx
+++ b/final_presentation.pptx
@@ -5108,8 +5108,8 @@
         </p:nvSpPr>
         <p:spPr>
           <a:xfrm>
-            <a:off x="6400800" y="484632"/>
-            <a:ext cx="5299586" cy="1609344"/>
+            <a:off x="6400798" y="0"/>
+            <a:ext cx="5299586" cy="1166648"/>
           </a:xfrm>
           <a:ln>
             <a:noFill/>
@@ -5122,7 +5122,7 @@
           <a:lstStyle/>
           <a:p>
             <a:r>
-              <a:rPr lang="en-US" sz="4000"/>
+              <a:rPr lang="en-US" sz="4000" dirty="0"/>
               <a:t>Problem Statement</a:t>
             </a:r>
           </a:p>
@@ -5176,20 +5176,23 @@
         </p:nvSpPr>
         <p:spPr>
           <a:xfrm>
-            <a:off x="6400799" y="1702676"/>
-            <a:ext cx="5299585" cy="4708634"/>
+            <a:off x="6400799" y="1082567"/>
+            <a:ext cx="5633881" cy="5475888"/>
           </a:xfrm>
         </p:spPr>
         <p:txBody>
           <a:bodyPr>
-            <a:normAutofit/>
+            <a:normAutofit fontScale="85000" lnSpcReduction="20000"/>
           </a:bodyPr>
           <a:lstStyle/>
           <a:p>
             <a:r>
-              <a:rPr lang="en-US" sz="1800" dirty="0"/>
+              <a:rPr lang="en-US" sz="2400" dirty="0"/>
               <a:t>Build a holistic profile of a university professor</a:t>
             </a:r>
+          </a:p>
+          <a:p>
+            <a:endParaRPr lang="en-US" sz="2400" dirty="0"/>
           </a:p>
           <a:p>
             <a:pPr lvl="1">
@@ -5197,7 +5200,7 @@
               <a:buChar char="ü"/>
             </a:pPr>
             <a:r>
-              <a:rPr lang="en-US" sz="1600" dirty="0"/>
+              <a:rPr lang="en-US" sz="2000" dirty="0"/>
               <a:t>Contact Information</a:t>
             </a:r>
           </a:p>
@@ -5206,10 +5209,7 @@
               <a:buFont typeface="Wingdings" pitchFamily="2" charset="2"/>
               <a:buChar char="ü"/>
             </a:pPr>
-            <a:r>
-              <a:rPr lang="en-US" sz="1600" dirty="0"/>
-              <a:t>University Information</a:t>
-            </a:r>
+            <a:endParaRPr lang="en-US" sz="2000" dirty="0"/>
           </a:p>
           <a:p>
             <a:pPr lvl="1">
@@ -5217,8 +5217,8 @@
               <a:buChar char="ü"/>
             </a:pPr>
             <a:r>
-              <a:rPr lang="en-US" sz="1600" dirty="0"/>
-              <a:t>Research area tags based on publications</a:t>
+              <a:rPr lang="en-US" sz="2000" dirty="0"/>
+              <a:t>University Information</a:t>
             </a:r>
           </a:p>
           <a:p>
@@ -5226,10 +5226,7 @@
               <a:buFont typeface="Wingdings" pitchFamily="2" charset="2"/>
               <a:buChar char="ü"/>
             </a:pPr>
-            <a:r>
-              <a:rPr lang="en-US" sz="1600" dirty="0"/>
-              <a:t>Impact of Research</a:t>
-            </a:r>
+            <a:endParaRPr lang="en-US" sz="2000" dirty="0"/>
           </a:p>
           <a:p>
             <a:pPr lvl="1">
@@ -5237,8 +5234,8 @@
               <a:buChar char="ü"/>
             </a:pPr>
             <a:r>
-              <a:rPr lang="en-US" sz="1600" dirty="0"/>
-              <a:t>Ratings/reviews given by past students for classes taught by him/her</a:t>
+              <a:rPr lang="en-US" sz="2000" dirty="0"/>
+              <a:t>Research area tags based on publications</a:t>
             </a:r>
           </a:p>
           <a:p>
@@ -5246,19 +5243,16 @@
               <a:buFont typeface="Wingdings" pitchFamily="2" charset="2"/>
               <a:buChar char="ü"/>
             </a:pPr>
-            <a:endParaRPr lang="en-US" sz="1600" dirty="0"/>
+            <a:endParaRPr lang="en-US" sz="2000" dirty="0"/>
           </a:p>
           <a:p>
             <a:pPr lvl="1">
               <a:buFont typeface="Wingdings" pitchFamily="2" charset="2"/>
               <a:buChar char="ü"/>
             </a:pPr>
-            <a:endParaRPr lang="en-US" sz="1600" dirty="0"/>
-          </a:p>
-          <a:p>
-            <a:r>
-              <a:rPr lang="en-US" sz="1800" dirty="0"/>
-              <a:t>Target Users: </a:t>
+            <a:r>
+              <a:rPr lang="en-US" sz="2000" dirty="0"/>
+              <a:t>Impact of research</a:t>
             </a:r>
           </a:p>
           <a:p>
@@ -5266,10 +5260,7 @@
               <a:buFont typeface="Wingdings" pitchFamily="2" charset="2"/>
               <a:buChar char="ü"/>
             </a:pPr>
-            <a:r>
-              <a:rPr lang="en-US" sz="1600" dirty="0"/>
-              <a:t>For Prospective graduate students: Choose between grad schools and research advisors.</a:t>
-            </a:r>
+            <a:endParaRPr lang="en-US" sz="2000" dirty="0"/>
           </a:p>
           <a:p>
             <a:pPr lvl="1">
@@ -5277,9 +5268,65 @@
               <a:buChar char="ü"/>
             </a:pPr>
             <a:r>
-              <a:rPr lang="en-US" sz="1600" dirty="0"/>
-              <a:t>For research collaboration: Collaborate with a research expert in a particular field.</a:t>
-            </a:r>
+              <a:rPr lang="en-US" sz="2000" dirty="0"/>
+              <a:t>Ratings/reviews given by </a:t>
+            </a:r>
+            <a:r>
+              <a:rPr lang="en-US" sz="2000"/>
+              <a:t>past students</a:t>
+            </a:r>
+            <a:endParaRPr lang="en-US" sz="2000" dirty="0"/>
+          </a:p>
+          <a:p>
+            <a:pPr lvl="1">
+              <a:buFont typeface="Wingdings" pitchFamily="2" charset="2"/>
+              <a:buChar char="ü"/>
+            </a:pPr>
+            <a:endParaRPr lang="en-US" sz="2000" dirty="0"/>
+          </a:p>
+          <a:p>
+            <a:pPr lvl="1">
+              <a:buFont typeface="Wingdings" pitchFamily="2" charset="2"/>
+              <a:buChar char="ü"/>
+            </a:pPr>
+            <a:endParaRPr lang="en-US" sz="2000" dirty="0"/>
+          </a:p>
+          <a:p>
+            <a:r>
+              <a:rPr lang="en-US" sz="2400" dirty="0"/>
+              <a:t>Target Users: </a:t>
+            </a:r>
+          </a:p>
+          <a:p>
+            <a:endParaRPr lang="en-US" sz="2400" dirty="0"/>
+          </a:p>
+          <a:p>
+            <a:pPr lvl="1">
+              <a:buFont typeface="Wingdings" pitchFamily="2" charset="2"/>
+              <a:buChar char="ü"/>
+            </a:pPr>
+            <a:r>
+              <a:rPr lang="en-US" sz="2000" dirty="0"/>
+              <a:t>For Prospective graduate students</a:t>
+            </a:r>
+          </a:p>
+          <a:p>
+            <a:pPr lvl="1">
+              <a:buFont typeface="Wingdings" pitchFamily="2" charset="2"/>
+              <a:buChar char="ü"/>
+            </a:pPr>
+            <a:endParaRPr lang="en-US" sz="2000" dirty="0"/>
+          </a:p>
+          <a:p>
+            <a:pPr lvl="1">
+              <a:buFont typeface="Wingdings" pitchFamily="2" charset="2"/>
+              <a:buChar char="ü"/>
+            </a:pPr>
+            <a:r>
+              <a:rPr lang="en-US" sz="2000" dirty="0"/>
+              <a:t>For research collaboration</a:t>
+            </a:r>
+            <a:endParaRPr lang="en-US" sz="1600" dirty="0"/>
           </a:p>
         </p:txBody>
       </p:sp>
